--- a/Semana 4/Día 3/poo (2da).pptx
+++ b/Semana 4/Día 3/poo (2da).pptx
@@ -1330,7 +1330,7 @@
             <a:fld id="{9334D819-9F07-4261-B09B-9E467E5D9002}" type="datetimeFigureOut">
               <a:rPr lang="en-US" dirty="0"/>
               <a:pPr/>
-              <a:t>3/12/2019</a:t>
+              <a:t>3/13/2019</a:t>
             </a:fld>
             <a:endParaRPr lang="en-US" dirty="0"/>
           </a:p>
@@ -1564,7 +1564,7 @@
           <a:p>
             <a:fld id="{9334D819-9F07-4261-B09B-9E467E5D9002}" type="datetimeFigureOut">
               <a:rPr lang="en-US" dirty="0"/>
-              <a:t>3/12/2019</a:t>
+              <a:t>3/13/2019</a:t>
             </a:fld>
             <a:endParaRPr lang="en-US" dirty="0"/>
           </a:p>
@@ -1739,7 +1739,7 @@
           <a:p>
             <a:fld id="{9334D819-9F07-4261-B09B-9E467E5D9002}" type="datetimeFigureOut">
               <a:rPr lang="en-US" dirty="0"/>
-              <a:t>3/12/2019</a:t>
+              <a:t>3/13/2019</a:t>
             </a:fld>
             <a:endParaRPr lang="en-US" dirty="0"/>
           </a:p>
@@ -1904,7 +1904,7 @@
           <a:p>
             <a:fld id="{9334D819-9F07-4261-B09B-9E467E5D9002}" type="datetimeFigureOut">
               <a:rPr lang="en-US" dirty="0"/>
-              <a:t>3/12/2019</a:t>
+              <a:t>3/13/2019</a:t>
             </a:fld>
             <a:endParaRPr lang="en-US" dirty="0"/>
           </a:p>
@@ -2176,7 +2176,7 @@
             <a:fld id="{9334D819-9F07-4261-B09B-9E467E5D9002}" type="datetimeFigureOut">
               <a:rPr lang="en-US" dirty="0"/>
               <a:pPr/>
-              <a:t>3/12/2019</a:t>
+              <a:t>3/13/2019</a:t>
             </a:fld>
             <a:endParaRPr lang="en-US" dirty="0"/>
           </a:p>
@@ -3373,7 +3373,7 @@
           <a:p>
             <a:fld id="{9334D819-9F07-4261-B09B-9E467E5D9002}" type="datetimeFigureOut">
               <a:rPr lang="en-US" dirty="0"/>
-              <a:t>3/12/2019</a:t>
+              <a:t>3/13/2019</a:t>
             </a:fld>
             <a:endParaRPr lang="en-US" dirty="0"/>
           </a:p>
@@ -3758,7 +3758,7 @@
           <a:p>
             <a:fld id="{9334D819-9F07-4261-B09B-9E467E5D9002}" type="datetimeFigureOut">
               <a:rPr lang="en-US" dirty="0"/>
-              <a:t>3/12/2019</a:t>
+              <a:t>3/13/2019</a:t>
             </a:fld>
             <a:endParaRPr lang="en-US" dirty="0"/>
           </a:p>
@@ -3876,7 +3876,7 @@
           <a:p>
             <a:fld id="{9334D819-9F07-4261-B09B-9E467E5D9002}" type="datetimeFigureOut">
               <a:rPr lang="en-US" dirty="0"/>
-              <a:t>3/12/2019</a:t>
+              <a:t>3/13/2019</a:t>
             </a:fld>
             <a:endParaRPr lang="en-US" dirty="0"/>
           </a:p>
@@ -3966,7 +3966,7 @@
           <a:p>
             <a:fld id="{9334D819-9F07-4261-B09B-9E467E5D9002}" type="datetimeFigureOut">
               <a:rPr lang="en-US" dirty="0"/>
-              <a:t>3/12/2019</a:t>
+              <a:t>3/13/2019</a:t>
             </a:fld>
             <a:endParaRPr lang="en-US" dirty="0"/>
           </a:p>
@@ -4724,7 +4724,7 @@
           <a:p>
             <a:fld id="{9334D819-9F07-4261-B09B-9E467E5D9002}" type="datetimeFigureOut">
               <a:rPr lang="en-US" dirty="0"/>
-              <a:t>3/12/2019</a:t>
+              <a:t>3/13/2019</a:t>
             </a:fld>
             <a:endParaRPr lang="en-US" dirty="0"/>
           </a:p>
@@ -5559,7 +5559,7 @@
           <a:p>
             <a:fld id="{9334D819-9F07-4261-B09B-9E467E5D9002}" type="datetimeFigureOut">
               <a:rPr lang="en-US" dirty="0"/>
-              <a:t>3/12/2019</a:t>
+              <a:t>3/13/2019</a:t>
             </a:fld>
             <a:endParaRPr lang="en-US" dirty="0"/>
           </a:p>
@@ -5782,7 +5782,7 @@
             <a:fld id="{9334D819-9F07-4261-B09B-9E467E5D9002}" type="datetimeFigureOut">
               <a:rPr lang="en-US" dirty="0"/>
               <a:pPr/>
-              <a:t>3/12/2019</a:t>
+              <a:t>3/13/2019</a:t>
             </a:fld>
             <a:endParaRPr lang="en-US" dirty="0"/>
           </a:p>
@@ -7013,15 +7013,21 @@
           <a:bodyPr/>
           <a:lstStyle/>
           <a:p>
-            <a:r>
-              <a:rPr lang="es-US" dirty="0" err="1"/>
+            <a:pPr marL="0" indent="0">
+              <a:buNone/>
+            </a:pPr>
+            <a:r>
+              <a:rPr lang="es-US" sz="2800" dirty="0" err="1"/>
               <a:t>Environment.Tickcount</a:t>
             </a:r>
-            <a:endParaRPr lang="es-US" dirty="0"/>
-          </a:p>
-          <a:p>
-            <a:r>
-              <a:rPr lang="es-US" dirty="0"/>
+            <a:endParaRPr lang="es-US" sz="2800" dirty="0"/>
+          </a:p>
+          <a:p>
+            <a:pPr marL="0" indent="0">
+              <a:buNone/>
+            </a:pPr>
+            <a:r>
+              <a:rPr lang="es-US" sz="2800" dirty="0"/>
               <a:t>…</a:t>
             </a:r>
           </a:p>
@@ -7118,28 +7124,28 @@
           <a:lstStyle/>
           <a:p>
             <a:r>
-              <a:rPr lang="es-US" dirty="0" err="1"/>
+              <a:rPr lang="es-US" sz="2800" dirty="0" err="1"/>
               <a:t>Math.PI</a:t>
             </a:r>
-            <a:endParaRPr lang="es-US" dirty="0"/>
-          </a:p>
-          <a:p>
-            <a:r>
-              <a:rPr lang="es-US" dirty="0" err="1"/>
+            <a:endParaRPr lang="es-US" sz="2800" dirty="0"/>
+          </a:p>
+          <a:p>
+            <a:r>
+              <a:rPr lang="es-US" sz="2800" dirty="0" err="1"/>
               <a:t>Math.Abs</a:t>
             </a:r>
-            <a:endParaRPr lang="es-US" dirty="0"/>
-          </a:p>
-          <a:p>
-            <a:r>
-              <a:rPr lang="es-US" dirty="0" err="1"/>
+            <a:endParaRPr lang="es-US" sz="2800" dirty="0"/>
+          </a:p>
+          <a:p>
+            <a:r>
+              <a:rPr lang="es-US" sz="2800" dirty="0" err="1"/>
               <a:t>Math.Sin</a:t>
             </a:r>
-            <a:endParaRPr lang="es-US" dirty="0"/>
-          </a:p>
-          <a:p>
-            <a:r>
-              <a:rPr lang="es-US" dirty="0"/>
+            <a:endParaRPr lang="es-US" sz="2800" dirty="0"/>
+          </a:p>
+          <a:p>
+            <a:r>
+              <a:rPr lang="es-US" sz="2800" dirty="0"/>
               <a:t>…</a:t>
             </a:r>
           </a:p>
@@ -7238,17 +7244,18 @@
           <a:bodyPr/>
           <a:lstStyle/>
           <a:p>
-            <a:r>
-              <a:rPr lang="es-US" dirty="0" err="1"/>
-              <a:t>Environment.Tickcount</a:t>
+            <a:pPr marL="0" indent="0">
+              <a:buNone/>
+            </a:pPr>
+            <a:r>
+              <a:rPr lang="es-US" sz="2800" dirty="0" err="1"/>
+              <a:t>Random.Next</a:t>
+            </a:r>
+            <a:r>
+              <a:rPr lang="es-US" sz="2800" dirty="0"/>
+              <a:t>()</a:t>
             </a:r>
             <a:endParaRPr lang="es-US" dirty="0"/>
-          </a:p>
-          <a:p>
-            <a:r>
-              <a:rPr lang="es-US" dirty="0"/>
-              <a:t>…</a:t>
-            </a:r>
           </a:p>
           <a:p>
             <a:endParaRPr lang="es-US" dirty="0"/>
